--- a/docs/SICAS_2017/Cole_Drop-In Reporting with Groovy EDITS 9-6.pptx
+++ b/docs/SICAS_2017/Cole_Drop-In Reporting with Groovy EDITS 9-6.pptx
@@ -149,6 +149,22 @@
       </a:defRPr>
     </a:lvl9pPr>
   </p:defaultTextStyle>
+  <p:extLst>
+    <p:ext uri="{EFAFB233-063F-42B5-8137-9DF3F51BA10A}">
+      <p15:sldGuideLst xmlns:p15="http://schemas.microsoft.com/office/powerpoint/2012/main">
+        <p15:guide id="1" orient="horz" pos="2160">
+          <p15:clr>
+            <a:srgbClr val="A4A3A4"/>
+          </p15:clr>
+        </p15:guide>
+        <p15:guide id="2" pos="2880">
+          <p15:clr>
+            <a:srgbClr val="A4A3A4"/>
+          </p15:clr>
+        </p15:guide>
+      </p15:sldGuideLst>
+    </p:ext>
+  </p:extLst>
 </p:presentation>
 </file>
 
@@ -234,7 +250,7 @@
           <a:p>
             <a:fld id="{A9497554-CADD-4A70-A49D-CF8C49A1185F}" type="datetimeFigureOut">
               <a:rPr lang="en-US" smtClean="0"/>
-              <a:t>12/31/2001</a:t>
+              <a:t>9/6/2017</a:t>
             </a:fld>
             <a:endParaRPr lang="en-US"/>
           </a:p>
@@ -14707,8 +14723,20 @@
             <a:tbl>
               <a:tblPr/>
               <a:tblGrid>
-                <a:gridCol w="3949920"/>
-                <a:gridCol w="3949920"/>
+                <a:gridCol w="3949920">
+                  <a:extLst>
+                    <a:ext uri="{9D8B030D-6E8A-4147-A177-3AD203B41FA5}">
+                      <a16:colId xmlns:a16="http://schemas.microsoft.com/office/drawing/2014/main" val="20000"/>
+                    </a:ext>
+                  </a:extLst>
+                </a:gridCol>
+                <a:gridCol w="3949920">
+                  <a:extLst>
+                    <a:ext uri="{9D8B030D-6E8A-4147-A177-3AD203B41FA5}">
+                      <a16:colId xmlns:a16="http://schemas.microsoft.com/office/drawing/2014/main" val="20001"/>
+                    </a:ext>
+                  </a:extLst>
+                </a:gridCol>
               </a:tblGrid>
               <a:tr h="0">
                 <a:tc>
@@ -14815,6 +14843,11 @@
                     <a:noFill/>
                   </a:tcPr>
                 </a:tc>
+                <a:extLst>
+                  <a:ext uri="{0D108BD9-81ED-4DB2-BD59-A6C34878D82A}">
+                    <a16:rowId xmlns:a16="http://schemas.microsoft.com/office/drawing/2014/main" val="10000"/>
+                  </a:ext>
+                </a:extLst>
               </a:tr>
               <a:tr h="0">
                 <a:tc>
@@ -14911,6 +14944,11 @@
                     <a:noFill/>
                   </a:tcPr>
                 </a:tc>
+                <a:extLst>
+                  <a:ext uri="{0D108BD9-81ED-4DB2-BD59-A6C34878D82A}">
+                    <a16:rowId xmlns:a16="http://schemas.microsoft.com/office/drawing/2014/main" val="10001"/>
+                  </a:ext>
+                </a:extLst>
               </a:tr>
               <a:tr h="0">
                 <a:tc>
@@ -15007,6 +15045,11 @@
                     <a:noFill/>
                   </a:tcPr>
                 </a:tc>
+                <a:extLst>
+                  <a:ext uri="{0D108BD9-81ED-4DB2-BD59-A6C34878D82A}">
+                    <a16:rowId xmlns:a16="http://schemas.microsoft.com/office/drawing/2014/main" val="10002"/>
+                  </a:ext>
+                </a:extLst>
               </a:tr>
             </a:tbl>
           </a:graphicData>
@@ -15503,10 +15546,34 @@
             <a:tbl>
               <a:tblPr/>
               <a:tblGrid>
-                <a:gridCol w="1672560"/>
-                <a:gridCol w="1514880"/>
-                <a:gridCol w="1694160"/>
-                <a:gridCol w="1927080"/>
+                <a:gridCol w="1672560">
+                  <a:extLst>
+                    <a:ext uri="{9D8B030D-6E8A-4147-A177-3AD203B41FA5}">
+                      <a16:colId xmlns:a16="http://schemas.microsoft.com/office/drawing/2014/main" val="20000"/>
+                    </a:ext>
+                  </a:extLst>
+                </a:gridCol>
+                <a:gridCol w="1514880">
+                  <a:extLst>
+                    <a:ext uri="{9D8B030D-6E8A-4147-A177-3AD203B41FA5}">
+                      <a16:colId xmlns:a16="http://schemas.microsoft.com/office/drawing/2014/main" val="20001"/>
+                    </a:ext>
+                  </a:extLst>
+                </a:gridCol>
+                <a:gridCol w="1694160">
+                  <a:extLst>
+                    <a:ext uri="{9D8B030D-6E8A-4147-A177-3AD203B41FA5}">
+                      <a16:colId xmlns:a16="http://schemas.microsoft.com/office/drawing/2014/main" val="20002"/>
+                    </a:ext>
+                  </a:extLst>
+                </a:gridCol>
+                <a:gridCol w="1927080">
+                  <a:extLst>
+                    <a:ext uri="{9D8B030D-6E8A-4147-A177-3AD203B41FA5}">
+                      <a16:colId xmlns:a16="http://schemas.microsoft.com/office/drawing/2014/main" val="20003"/>
+                    </a:ext>
+                  </a:extLst>
+                </a:gridCol>
               </a:tblGrid>
               <a:tr h="0">
                 <a:tc>
@@ -15717,6 +15784,11 @@
                     <a:noFill/>
                   </a:tcPr>
                 </a:tc>
+                <a:extLst>
+                  <a:ext uri="{0D108BD9-81ED-4DB2-BD59-A6C34878D82A}">
+                    <a16:rowId xmlns:a16="http://schemas.microsoft.com/office/drawing/2014/main" val="10000"/>
+                  </a:ext>
+                </a:extLst>
               </a:tr>
               <a:tr h="0">
                 <a:tc>
@@ -15907,6 +15979,11 @@
                     <a:noFill/>
                   </a:tcPr>
                 </a:tc>
+                <a:extLst>
+                  <a:ext uri="{0D108BD9-81ED-4DB2-BD59-A6C34878D82A}">
+                    <a16:rowId xmlns:a16="http://schemas.microsoft.com/office/drawing/2014/main" val="10001"/>
+                  </a:ext>
+                </a:extLst>
               </a:tr>
               <a:tr h="0">
                 <a:tc>
@@ -16077,6 +16154,11 @@
                     <a:noFill/>
                   </a:tcPr>
                 </a:tc>
+                <a:extLst>
+                  <a:ext uri="{0D108BD9-81ED-4DB2-BD59-A6C34878D82A}">
+                    <a16:rowId xmlns:a16="http://schemas.microsoft.com/office/drawing/2014/main" val="10002"/>
+                  </a:ext>
+                </a:extLst>
               </a:tr>
               <a:tr h="0">
                 <a:tc>
@@ -16247,6 +16329,11 @@
                     <a:noFill/>
                   </a:tcPr>
                 </a:tc>
+                <a:extLst>
+                  <a:ext uri="{0D108BD9-81ED-4DB2-BD59-A6C34878D82A}">
+                    <a16:rowId xmlns:a16="http://schemas.microsoft.com/office/drawing/2014/main" val="10003"/>
+                  </a:ext>
+                </a:extLst>
               </a:tr>
               <a:tr h="0">
                 <a:tc>
@@ -16417,6 +16504,11 @@
                     <a:noFill/>
                   </a:tcPr>
                 </a:tc>
+                <a:extLst>
+                  <a:ext uri="{0D108BD9-81ED-4DB2-BD59-A6C34878D82A}">
+                    <a16:rowId xmlns:a16="http://schemas.microsoft.com/office/drawing/2014/main" val="10004"/>
+                  </a:ext>
+                </a:extLst>
               </a:tr>
               <a:tr h="0">
                 <a:tc>
@@ -16587,6 +16679,11 @@
                     <a:noFill/>
                   </a:tcPr>
                 </a:tc>
+                <a:extLst>
+                  <a:ext uri="{0D108BD9-81ED-4DB2-BD59-A6C34878D82A}">
+                    <a16:rowId xmlns:a16="http://schemas.microsoft.com/office/drawing/2014/main" val="10005"/>
+                  </a:ext>
+                </a:extLst>
               </a:tr>
               <a:tr h="0">
                 <a:tc>
@@ -16777,6 +16874,11 @@
                     <a:noFill/>
                   </a:tcPr>
                 </a:tc>
+                <a:extLst>
+                  <a:ext uri="{0D108BD9-81ED-4DB2-BD59-A6C34878D82A}">
+                    <a16:rowId xmlns:a16="http://schemas.microsoft.com/office/drawing/2014/main" val="10006"/>
+                  </a:ext>
+                </a:extLst>
               </a:tr>
             </a:tbl>
           </a:graphicData>
@@ -21262,9 +21364,27 @@
             <a:tbl>
               <a:tblPr/>
               <a:tblGrid>
-                <a:gridCol w="1458000"/>
-                <a:gridCol w="1747800"/>
-                <a:gridCol w="1819800"/>
+                <a:gridCol w="1458000">
+                  <a:extLst>
+                    <a:ext uri="{9D8B030D-6E8A-4147-A177-3AD203B41FA5}">
+                      <a16:colId xmlns:a16="http://schemas.microsoft.com/office/drawing/2014/main" val="20000"/>
+                    </a:ext>
+                  </a:extLst>
+                </a:gridCol>
+                <a:gridCol w="1747800">
+                  <a:extLst>
+                    <a:ext uri="{9D8B030D-6E8A-4147-A177-3AD203B41FA5}">
+                      <a16:colId xmlns:a16="http://schemas.microsoft.com/office/drawing/2014/main" val="20001"/>
+                    </a:ext>
+                  </a:extLst>
+                </a:gridCol>
+                <a:gridCol w="1819800">
+                  <a:extLst>
+                    <a:ext uri="{9D8B030D-6E8A-4147-A177-3AD203B41FA5}">
+                      <a16:colId xmlns:a16="http://schemas.microsoft.com/office/drawing/2014/main" val="20002"/>
+                    </a:ext>
+                  </a:extLst>
+                </a:gridCol>
               </a:tblGrid>
               <a:tr h="0">
                 <a:tc>
@@ -21423,6 +21543,11 @@
                     <a:noFill/>
                   </a:tcPr>
                 </a:tc>
+                <a:extLst>
+                  <a:ext uri="{0D108BD9-81ED-4DB2-BD59-A6C34878D82A}">
+                    <a16:rowId xmlns:a16="http://schemas.microsoft.com/office/drawing/2014/main" val="10000"/>
+                  </a:ext>
+                </a:extLst>
               </a:tr>
               <a:tr h="0">
                 <a:tc>
@@ -21566,6 +21691,11 @@
                     <a:noFill/>
                   </a:tcPr>
                 </a:tc>
+                <a:extLst>
+                  <a:ext uri="{0D108BD9-81ED-4DB2-BD59-A6C34878D82A}">
+                    <a16:rowId xmlns:a16="http://schemas.microsoft.com/office/drawing/2014/main" val="10001"/>
+                  </a:ext>
+                </a:extLst>
               </a:tr>
               <a:tr h="0">
                 <a:tc>
@@ -21694,6 +21824,11 @@
                     <a:noFill/>
                   </a:tcPr>
                 </a:tc>
+                <a:extLst>
+                  <a:ext uri="{0D108BD9-81ED-4DB2-BD59-A6C34878D82A}">
+                    <a16:rowId xmlns:a16="http://schemas.microsoft.com/office/drawing/2014/main" val="10002"/>
+                  </a:ext>
+                </a:extLst>
               </a:tr>
               <a:tr h="0">
                 <a:tc>
@@ -21837,6 +21972,11 @@
                     <a:noFill/>
                   </a:tcPr>
                 </a:tc>
+                <a:extLst>
+                  <a:ext uri="{0D108BD9-81ED-4DB2-BD59-A6C34878D82A}">
+                    <a16:rowId xmlns:a16="http://schemas.microsoft.com/office/drawing/2014/main" val="10003"/>
+                  </a:ext>
+                </a:extLst>
               </a:tr>
             </a:tbl>
           </a:graphicData>
@@ -22526,8 +22666,20 @@
             <a:tbl>
               <a:tblPr/>
               <a:tblGrid>
-                <a:gridCol w="848160"/>
-                <a:gridCol w="6836040"/>
+                <a:gridCol w="848160">
+                  <a:extLst>
+                    <a:ext uri="{9D8B030D-6E8A-4147-A177-3AD203B41FA5}">
+                      <a16:colId xmlns:a16="http://schemas.microsoft.com/office/drawing/2014/main" val="20000"/>
+                    </a:ext>
+                  </a:extLst>
+                </a:gridCol>
+                <a:gridCol w="6836040">
+                  <a:extLst>
+                    <a:ext uri="{9D8B030D-6E8A-4147-A177-3AD203B41FA5}">
+                      <a16:colId xmlns:a16="http://schemas.microsoft.com/office/drawing/2014/main" val="20001"/>
+                    </a:ext>
+                  </a:extLst>
+                </a:gridCol>
               </a:tblGrid>
               <a:tr h="0">
                 <a:tc>
@@ -22634,6 +22786,11 @@
                     <a:noFill/>
                   </a:tcPr>
                 </a:tc>
+                <a:extLst>
+                  <a:ext uri="{0D108BD9-81ED-4DB2-BD59-A6C34878D82A}">
+                    <a16:rowId xmlns:a16="http://schemas.microsoft.com/office/drawing/2014/main" val="10000"/>
+                  </a:ext>
+                </a:extLst>
               </a:tr>
               <a:tr h="0">
                 <a:tc>
@@ -22730,6 +22887,11 @@
                     <a:noFill/>
                   </a:tcPr>
                 </a:tc>
+                <a:extLst>
+                  <a:ext uri="{0D108BD9-81ED-4DB2-BD59-A6C34878D82A}">
+                    <a16:rowId xmlns:a16="http://schemas.microsoft.com/office/drawing/2014/main" val="10001"/>
+                  </a:ext>
+                </a:extLst>
               </a:tr>
               <a:tr h="0">
                 <a:tc>
@@ -22826,6 +22988,11 @@
                     <a:noFill/>
                   </a:tcPr>
                 </a:tc>
+                <a:extLst>
+                  <a:ext uri="{0D108BD9-81ED-4DB2-BD59-A6C34878D82A}">
+                    <a16:rowId xmlns:a16="http://schemas.microsoft.com/office/drawing/2014/main" val="10002"/>
+                  </a:ext>
+                </a:extLst>
               </a:tr>
             </a:tbl>
           </a:graphicData>
@@ -26302,9 +26469,27 @@
             <a:tbl>
               <a:tblPr/>
               <a:tblGrid>
-                <a:gridCol w="584280"/>
-                <a:gridCol w="2689200"/>
-                <a:gridCol w="4249080"/>
+                <a:gridCol w="584280">
+                  <a:extLst>
+                    <a:ext uri="{9D8B030D-6E8A-4147-A177-3AD203B41FA5}">
+                      <a16:colId xmlns:a16="http://schemas.microsoft.com/office/drawing/2014/main" val="20000"/>
+                    </a:ext>
+                  </a:extLst>
+                </a:gridCol>
+                <a:gridCol w="2689200">
+                  <a:extLst>
+                    <a:ext uri="{9D8B030D-6E8A-4147-A177-3AD203B41FA5}">
+                      <a16:colId xmlns:a16="http://schemas.microsoft.com/office/drawing/2014/main" val="20001"/>
+                    </a:ext>
+                  </a:extLst>
+                </a:gridCol>
+                <a:gridCol w="4249080">
+                  <a:extLst>
+                    <a:ext uri="{9D8B030D-6E8A-4147-A177-3AD203B41FA5}">
+                      <a16:colId xmlns:a16="http://schemas.microsoft.com/office/drawing/2014/main" val="20002"/>
+                    </a:ext>
+                  </a:extLst>
+                </a:gridCol>
               </a:tblGrid>
               <a:tr h="0">
                 <a:tc>
@@ -26463,6 +26648,11 @@
                     <a:noFill/>
                   </a:tcPr>
                 </a:tc>
+                <a:extLst>
+                  <a:ext uri="{0D108BD9-81ED-4DB2-BD59-A6C34878D82A}">
+                    <a16:rowId xmlns:a16="http://schemas.microsoft.com/office/drawing/2014/main" val="10000"/>
+                  </a:ext>
+                </a:extLst>
               </a:tr>
               <a:tr h="0">
                 <a:tc>
@@ -26621,6 +26811,11 @@
                     <a:noFill/>
                   </a:tcPr>
                 </a:tc>
+                <a:extLst>
+                  <a:ext uri="{0D108BD9-81ED-4DB2-BD59-A6C34878D82A}">
+                    <a16:rowId xmlns:a16="http://schemas.microsoft.com/office/drawing/2014/main" val="10001"/>
+                  </a:ext>
+                </a:extLst>
               </a:tr>
             </a:tbl>
           </a:graphicData>
@@ -37284,39 +37479,7 @@
                 <a:ea typeface="DejaVu Sans"/>
                 <a:hlinkClick r:id="rId2"/>
               </a:rPr>
-              <a:t>	https</a:t>
-            </a:r>
-            <a:r>
-              <a:rPr lang="en-US" sz="1800" b="0" u="sng" strike="noStrike" spc="-1">
-                <a:solidFill>
-                  <a:srgbClr val="56C7AA"/>
-                </a:solidFill>
-                <a:uFill>
-                  <a:solidFill>
-                    <a:srgbClr val="FFFFFF"/>
-                  </a:solidFill>
-                </a:uFill>
-                <a:latin typeface="Arial"/>
-                <a:ea typeface="DejaVu Sans"/>
-                <a:hlinkClick r:id="rId2"/>
-              </a:rPr>
-              <a:t>://</a:t>
-            </a:r>
-            <a:r>
-              <a:rPr lang="en-US" sz="1800" b="0" u="sng" strike="noStrike" spc="-1">
-                <a:solidFill>
-                  <a:srgbClr val="56C7AA"/>
-                </a:solidFill>
-                <a:uFill>
-                  <a:solidFill>
-                    <a:srgbClr val="FFFFFF"/>
-                  </a:solidFill>
-                </a:uFill>
-                <a:latin typeface="Arial"/>
-                <a:ea typeface="DejaVu Sans"/>
-                <a:hlinkClick r:id="rId2"/>
-              </a:rPr>
-              <a:t>bitbucket.org/EWCOLE/simple_report</a:t>
+              <a:t>	https://bitbucket.org/EWCOLE/simple_report</a:t>
             </a:r>
             <a:endParaRPr lang="en-US" sz="1800" b="0" strike="noStrike" spc="-1">
               <a:solidFill>
@@ -39226,7 +39389,7 @@
 <file path=ppt/theme/theme1.xml><?xml version="1.0" encoding="utf-8"?>
 <a:theme xmlns:a="http://schemas.openxmlformats.org/drawingml/2006/main" name="Office Theme">
   <a:themeElements>
-    <a:clrScheme name="Office">
+    <a:clrScheme name="SICAS_2017">
       <a:dk1>
         <a:sysClr val="windowText" lastClr="000000"/>
       </a:dk1>
@@ -39234,34 +39397,34 @@
         <a:sysClr val="window" lastClr="FFFFFF"/>
       </a:lt1>
       <a:dk2>
-        <a:srgbClr val="1F497D"/>
+        <a:srgbClr val="212745"/>
       </a:dk2>
       <a:lt2>
-        <a:srgbClr val="EEECE1"/>
+        <a:srgbClr val="B4DCFA"/>
       </a:lt2>
       <a:accent1>
-        <a:srgbClr val="4F81BD"/>
+        <a:srgbClr val="4E67C8"/>
       </a:accent1>
       <a:accent2>
-        <a:srgbClr val="C0504D"/>
+        <a:srgbClr val="5ECCF3"/>
       </a:accent2>
       <a:accent3>
-        <a:srgbClr val="9BBB59"/>
+        <a:srgbClr val="A7EA52"/>
       </a:accent3>
       <a:accent4>
-        <a:srgbClr val="8064A2"/>
+        <a:srgbClr val="5DCEAF"/>
       </a:accent4>
       <a:accent5>
-        <a:srgbClr val="4BACC6"/>
+        <a:srgbClr val="FF8021"/>
       </a:accent5>
       <a:accent6>
-        <a:srgbClr val="F79646"/>
+        <a:srgbClr val="F14124"/>
       </a:accent6>
       <a:hlink>
-        <a:srgbClr val="0000FF"/>
+        <a:srgbClr val="56C7AA"/>
       </a:hlink>
       <a:folHlink>
-        <a:srgbClr val="800080"/>
+        <a:srgbClr val="59A8D1"/>
       </a:folHlink>
     </a:clrScheme>
     <a:fontScheme name="Office">
